--- a/期中报告.pptx
+++ b/期中报告.pptx
@@ -6290,7 +6290,17 @@
                 <a:effectLst/>
                 <a:latin typeface="Noto Sans TC"/>
               </a:rPr>
-              <a:t>台灣人口結構在高齡化、少子化的趨勢下，早已迅速老化，長期將導致工作年齡人口減少、老年人口占比增加，加重扶養負擔。</a:t>
+              <a:t>台灣人口結構在高齡化、少子化的趨勢下，早已迅速老化，長期將導致工作年齡人口減少、老年人口占比增加，加重扶養負</a:t>
+            </a:r>
+            <a:r>
+              <a:rPr lang="zh-TW" altLang="en-US" b="0" i="0">
+                <a:solidFill>
+                  <a:srgbClr val="3B3B3B"/>
+                </a:solidFill>
+                <a:effectLst/>
+                <a:latin typeface="Noto Sans TC"/>
+              </a:rPr>
+              <a:t>擔。我們希望能夠透過預測台灣人口以及其結構，提供給現在的相關學者一個參考，利於他們解決未來的人口問題，未雨綢繆。</a:t>
             </a:r>
             <a:endParaRPr lang="zh-TW" altLang="en-US" dirty="0"/>
           </a:p>
@@ -7106,7 +7116,7 @@
         <p14:prism isInverted="1"/>
       </p:transition>
     </mc:Choice>
-    <mc:Fallback xmlns="" xmlns:a16="http://schemas.microsoft.com/office/drawing/2014/main">
+    <mc:Fallback xmlns:a16="http://schemas.microsoft.com/office/drawing/2014/main" xmlns="">
       <p:transition spd="slow" advClick="0" advTm="0">
         <p:fade/>
       </p:transition>
@@ -7406,7 +7416,7 @@
         <p14:prism isInverted="1"/>
       </p:transition>
     </mc:Choice>
-    <mc:Fallback xmlns="" xmlns:a16="http://schemas.microsoft.com/office/drawing/2014/main">
+    <mc:Fallback xmlns:a16="http://schemas.microsoft.com/office/drawing/2014/main" xmlns="">
       <p:transition spd="slow" advClick="0" advTm="0">
         <p:fade/>
       </p:transition>
@@ -7616,7 +7626,7 @@
         <p14:prism isInverted="1"/>
       </p:transition>
     </mc:Choice>
-    <mc:Fallback xmlns="" xmlns:a16="http://schemas.microsoft.com/office/drawing/2014/main">
+    <mc:Fallback xmlns:a16="http://schemas.microsoft.com/office/drawing/2014/main" xmlns="">
       <p:transition spd="slow" advClick="0" advTm="0">
         <p:fade/>
       </p:transition>
@@ -7836,7 +7846,7 @@
         <p14:prism isInverted="1"/>
       </p:transition>
     </mc:Choice>
-    <mc:Fallback xmlns="" xmlns:a16="http://schemas.microsoft.com/office/drawing/2014/main">
+    <mc:Fallback xmlns:a16="http://schemas.microsoft.com/office/drawing/2014/main" xmlns="">
       <p:transition spd="slow" advClick="0" advTm="0">
         <p:fade/>
       </p:transition>
@@ -8536,7 +8546,7 @@
         <p14:prism isInverted="1"/>
       </p:transition>
     </mc:Choice>
-    <mc:Fallback xmlns="" xmlns:a16="http://schemas.microsoft.com/office/drawing/2014/main">
+    <mc:Fallback xmlns:a16="http://schemas.microsoft.com/office/drawing/2014/main" xmlns="">
       <p:transition spd="slow" advClick="0" advTm="0">
         <p:fade/>
       </p:transition>
@@ -8823,7 +8833,7 @@
         <p14:prism isInverted="1"/>
       </p:transition>
     </mc:Choice>
-    <mc:Fallback xmlns="" xmlns:a16="http://schemas.microsoft.com/office/drawing/2014/main">
+    <mc:Fallback xmlns:a16="http://schemas.microsoft.com/office/drawing/2014/main" xmlns="">
       <p:transition spd="slow" advClick="0" advTm="0">
         <p:fade/>
       </p:transition>
@@ -9100,7 +9110,7 @@
         <p14:prism isInverted="1"/>
       </p:transition>
     </mc:Choice>
-    <mc:Fallback xmlns="" xmlns:a16="http://schemas.microsoft.com/office/drawing/2014/main">
+    <mc:Fallback xmlns:a16="http://schemas.microsoft.com/office/drawing/2014/main" xmlns="">
       <p:transition spd="slow" advClick="0" advTm="0">
         <p:fade/>
       </p:transition>
@@ -9524,7 +9534,7 @@
         <p14:prism isInverted="1"/>
       </p:transition>
     </mc:Choice>
-    <mc:Fallback xmlns="" xmlns:a16="http://schemas.microsoft.com/office/drawing/2014/main">
+    <mc:Fallback xmlns:a16="http://schemas.microsoft.com/office/drawing/2014/main" xmlns="">
       <p:transition spd="slow" advClick="0" advTm="0">
         <p:fade/>
       </p:transition>
@@ -10073,7 +10083,7 @@
         <p14:prism isInverted="1"/>
       </p:transition>
     </mc:Choice>
-    <mc:Fallback xmlns="" xmlns:a16="http://schemas.microsoft.com/office/drawing/2014/main">
+    <mc:Fallback xmlns:a16="http://schemas.microsoft.com/office/drawing/2014/main" xmlns="">
       <p:transition spd="slow" advClick="0" advTm="0">
         <p:fade/>
       </p:transition>
@@ -10226,7 +10236,7 @@
         <p14:prism isInverted="1"/>
       </p:transition>
     </mc:Choice>
-    <mc:Fallback xmlns="" xmlns:a16="http://schemas.microsoft.com/office/drawing/2014/main">
+    <mc:Fallback xmlns:a16="http://schemas.microsoft.com/office/drawing/2014/main" xmlns="">
       <p:transition spd="slow" advClick="0" advTm="0">
         <p:fade/>
       </p:transition>
@@ -10351,7 +10361,7 @@
         <p14:prism isInverted="1"/>
       </p:transition>
     </mc:Choice>
-    <mc:Fallback xmlns="" xmlns:a16="http://schemas.microsoft.com/office/drawing/2014/main">
+    <mc:Fallback xmlns:a16="http://schemas.microsoft.com/office/drawing/2014/main" xmlns="">
       <p:transition spd="slow" advClick="0" advTm="0">
         <p:fade/>
       </p:transition>
@@ -10674,7 +10684,7 @@
         <p14:prism isInverted="1"/>
       </p:transition>
     </mc:Choice>
-    <mc:Fallback xmlns="" xmlns:a16="http://schemas.microsoft.com/office/drawing/2014/main">
+    <mc:Fallback xmlns:a16="http://schemas.microsoft.com/office/drawing/2014/main" xmlns="">
       <p:transition spd="slow" advClick="0" advTm="0">
         <p:fade/>
       </p:transition>
@@ -10975,7 +10985,7 @@
         <p14:prism isInverted="1"/>
       </p:transition>
     </mc:Choice>
-    <mc:Fallback xmlns="" xmlns:a16="http://schemas.microsoft.com/office/drawing/2014/main">
+    <mc:Fallback xmlns:a16="http://schemas.microsoft.com/office/drawing/2014/main" xmlns="">
       <p:transition spd="slow" advClick="0" advTm="0">
         <p:fade/>
       </p:transition>
@@ -11958,7 +11968,7 @@
         <p14:prism isInverted="1"/>
       </p:transition>
     </mc:Choice>
-    <mc:Fallback xmlns="" xmlns:a16="http://schemas.microsoft.com/office/drawing/2014/main" xmlns:a14="http://schemas.microsoft.com/office/drawing/2010/main">
+    <mc:Fallback xmlns:a14="http://schemas.microsoft.com/office/drawing/2010/main" xmlns:a16="http://schemas.microsoft.com/office/drawing/2014/main" xmlns="">
       <p:transition spd="slow" advClick="0" advTm="0">
         <p:fade/>
       </p:transition>
@@ -12803,7 +12813,7 @@
         <p14:gallery dir="l"/>
       </p:transition>
     </mc:Choice>
-    <mc:Fallback xmlns="" xmlns:a16="http://schemas.microsoft.com/office/drawing/2014/main" xmlns:a14="http://schemas.microsoft.com/office/drawing/2010/main" xmlns:asvg="http://schemas.microsoft.com/office/drawing/2016/SVG/main">
+    <mc:Fallback xmlns:asvg="http://schemas.microsoft.com/office/drawing/2016/SVG/main" xmlns:a14="http://schemas.microsoft.com/office/drawing/2010/main" xmlns:a16="http://schemas.microsoft.com/office/drawing/2014/main" xmlns="">
       <p:transition spd="slow" advClick="0" advTm="0">
         <p:fade/>
       </p:transition>
@@ -13454,7 +13464,7 @@
         <p14:gallery dir="l"/>
       </p:transition>
     </mc:Choice>
-    <mc:Fallback xmlns="" xmlns:a16="http://schemas.microsoft.com/office/drawing/2014/main" xmlns:a14="http://schemas.microsoft.com/office/drawing/2010/main" xmlns:asvg="http://schemas.microsoft.com/office/drawing/2016/SVG/main">
+    <mc:Fallback xmlns:asvg="http://schemas.microsoft.com/office/drawing/2016/SVG/main" xmlns:a14="http://schemas.microsoft.com/office/drawing/2010/main" xmlns:a16="http://schemas.microsoft.com/office/drawing/2014/main" xmlns="">
       <p:transition spd="slow" advClick="0" advTm="0">
         <p:fade/>
       </p:transition>
@@ -13981,7 +13991,7 @@
         <p14:flip dir="r"/>
       </p:transition>
     </mc:Choice>
-    <mc:Fallback xmlns="" xmlns:a16="http://schemas.microsoft.com/office/drawing/2014/main" xmlns:a14="http://schemas.microsoft.com/office/drawing/2010/main">
+    <mc:Fallback xmlns:a14="http://schemas.microsoft.com/office/drawing/2010/main" xmlns:a16="http://schemas.microsoft.com/office/drawing/2014/main" xmlns="">
       <p:transition spd="slow" advClick="0" advTm="0">
         <p:fade/>
       </p:transition>
@@ -14843,7 +14853,7 @@
         <p14:gallery dir="l"/>
       </p:transition>
     </mc:Choice>
-    <mc:Fallback xmlns="" xmlns:a16="http://schemas.microsoft.com/office/drawing/2014/main" xmlns:a14="http://schemas.microsoft.com/office/drawing/2010/main" xmlns:asvg="http://schemas.microsoft.com/office/drawing/2016/SVG/main">
+    <mc:Fallback xmlns:asvg="http://schemas.microsoft.com/office/drawing/2016/SVG/main" xmlns:a14="http://schemas.microsoft.com/office/drawing/2010/main" xmlns:a16="http://schemas.microsoft.com/office/drawing/2014/main" xmlns="">
       <p:transition spd="slow" advClick="0" advTm="0">
         <p:fade/>
       </p:transition>
@@ -15613,7 +15623,7 @@
         <p14:gallery dir="l"/>
       </p:transition>
     </mc:Choice>
-    <mc:Fallback xmlns="" xmlns:a16="http://schemas.microsoft.com/office/drawing/2014/main" xmlns:a14="http://schemas.microsoft.com/office/drawing/2010/main" xmlns:asvg="http://schemas.microsoft.com/office/drawing/2016/SVG/main">
+    <mc:Fallback xmlns:asvg="http://schemas.microsoft.com/office/drawing/2016/SVG/main" xmlns:a14="http://schemas.microsoft.com/office/drawing/2010/main" xmlns:a16="http://schemas.microsoft.com/office/drawing/2014/main" xmlns="">
       <p:transition spd="slow" advClick="0" advTm="0">
         <p:fade/>
       </p:transition>
@@ -16504,7 +16514,7 @@
         <p14:gallery dir="l"/>
       </p:transition>
     </mc:Choice>
-    <mc:Fallback xmlns="" xmlns:a16="http://schemas.microsoft.com/office/drawing/2014/main" xmlns:a14="http://schemas.microsoft.com/office/drawing/2010/main" xmlns:asvg="http://schemas.microsoft.com/office/drawing/2016/SVG/main">
+    <mc:Fallback xmlns:asvg="http://schemas.microsoft.com/office/drawing/2016/SVG/main" xmlns:a14="http://schemas.microsoft.com/office/drawing/2010/main" xmlns:a16="http://schemas.microsoft.com/office/drawing/2014/main" xmlns="">
       <p:transition spd="slow" advClick="0" advTm="0">
         <p:fade/>
       </p:transition>
@@ -17498,7 +17508,7 @@
         <p14:gallery dir="l"/>
       </p:transition>
     </mc:Choice>
-    <mc:Fallback xmlns="" xmlns:a16="http://schemas.microsoft.com/office/drawing/2014/main" xmlns:a14="http://schemas.microsoft.com/office/drawing/2010/main" xmlns:asvg="http://schemas.microsoft.com/office/drawing/2016/SVG/main">
+    <mc:Fallback xmlns:asvg="http://schemas.microsoft.com/office/drawing/2016/SVG/main" xmlns:a14="http://schemas.microsoft.com/office/drawing/2010/main" xmlns:a16="http://schemas.microsoft.com/office/drawing/2014/main" xmlns="">
       <p:transition spd="slow" advClick="0" advTm="0">
         <p:fade/>
       </p:transition>
@@ -18492,7 +18502,7 @@
         <p14:gallery dir="l"/>
       </p:transition>
     </mc:Choice>
-    <mc:Fallback xmlns="" xmlns:a16="http://schemas.microsoft.com/office/drawing/2014/main" xmlns:a14="http://schemas.microsoft.com/office/drawing/2010/main" xmlns:asvg="http://schemas.microsoft.com/office/drawing/2016/SVG/main">
+    <mc:Fallback xmlns:asvg="http://schemas.microsoft.com/office/drawing/2016/SVG/main" xmlns:a14="http://schemas.microsoft.com/office/drawing/2010/main" xmlns:a16="http://schemas.microsoft.com/office/drawing/2014/main" xmlns="">
       <p:transition spd="slow" advClick="0" advTm="0">
         <p:fade/>
       </p:transition>
@@ -19383,7 +19393,7 @@
         <p14:gallery dir="l"/>
       </p:transition>
     </mc:Choice>
-    <mc:Fallback xmlns="" xmlns:a16="http://schemas.microsoft.com/office/drawing/2014/main" xmlns:a14="http://schemas.microsoft.com/office/drawing/2010/main" xmlns:asvg="http://schemas.microsoft.com/office/drawing/2016/SVG/main">
+    <mc:Fallback xmlns:asvg="http://schemas.microsoft.com/office/drawing/2016/SVG/main" xmlns:a14="http://schemas.microsoft.com/office/drawing/2010/main" xmlns:a16="http://schemas.microsoft.com/office/drawing/2014/main" xmlns="">
       <p:transition spd="slow" advClick="0" advTm="0">
         <p:fade/>
       </p:transition>
@@ -20274,7 +20284,7 @@
         <p14:gallery dir="l"/>
       </p:transition>
     </mc:Choice>
-    <mc:Fallback xmlns="" xmlns:a16="http://schemas.microsoft.com/office/drawing/2014/main" xmlns:a14="http://schemas.microsoft.com/office/drawing/2010/main" xmlns:asvg="http://schemas.microsoft.com/office/drawing/2016/SVG/main">
+    <mc:Fallback xmlns:asvg="http://schemas.microsoft.com/office/drawing/2016/SVG/main" xmlns:a14="http://schemas.microsoft.com/office/drawing/2010/main" xmlns:a16="http://schemas.microsoft.com/office/drawing/2014/main" xmlns="">
       <p:transition spd="slow" advClick="0" advTm="0">
         <p:fade/>
       </p:transition>
@@ -21304,7 +21314,7 @@
         <p14:switch dir="r"/>
       </p:transition>
     </mc:Choice>
-    <mc:Fallback xmlns="" xmlns:a16="http://schemas.microsoft.com/office/drawing/2014/main" xmlns:a14="http://schemas.microsoft.com/office/drawing/2010/main">
+    <mc:Fallback xmlns:a14="http://schemas.microsoft.com/office/drawing/2010/main" xmlns:a16="http://schemas.microsoft.com/office/drawing/2014/main" xmlns="">
       <p:transition spd="slow" advClick="0" advTm="0">
         <p:fade/>
       </p:transition>
@@ -22341,7 +22351,7 @@
         <p14:gallery dir="l"/>
       </p:transition>
     </mc:Choice>
-    <mc:Fallback xmlns="" xmlns:a16="http://schemas.microsoft.com/office/drawing/2014/main" xmlns:a14="http://schemas.microsoft.com/office/drawing/2010/main" xmlns:asvg="http://schemas.microsoft.com/office/drawing/2016/SVG/main">
+    <mc:Fallback xmlns:asvg="http://schemas.microsoft.com/office/drawing/2016/SVG/main" xmlns:a14="http://schemas.microsoft.com/office/drawing/2010/main" xmlns:a16="http://schemas.microsoft.com/office/drawing/2014/main" xmlns="">
       <p:transition spd="slow" advClick="0" advTm="0">
         <p:fade/>
       </p:transition>
@@ -23885,7 +23895,7 @@
         <p14:gallery dir="l"/>
       </p:transition>
     </mc:Choice>
-    <mc:Fallback xmlns="" xmlns:a16="http://schemas.microsoft.com/office/drawing/2014/main" xmlns:a14="http://schemas.microsoft.com/office/drawing/2010/main" xmlns:asvg="http://schemas.microsoft.com/office/drawing/2016/SVG/main">
+    <mc:Fallback xmlns:asvg="http://schemas.microsoft.com/office/drawing/2016/SVG/main" xmlns:a14="http://schemas.microsoft.com/office/drawing/2010/main" xmlns:a16="http://schemas.microsoft.com/office/drawing/2014/main" xmlns="">
       <p:transition spd="slow" advClick="0" advTm="0">
         <p:fade/>
       </p:transition>
@@ -24474,7 +24484,7 @@
         <p14:window dir="vert"/>
       </p:transition>
     </mc:Choice>
-    <mc:Fallback xmlns="" xmlns:a16="http://schemas.microsoft.com/office/drawing/2014/main" xmlns:a14="http://schemas.microsoft.com/office/drawing/2010/main">
+    <mc:Fallback xmlns:a14="http://schemas.microsoft.com/office/drawing/2010/main" xmlns:a16="http://schemas.microsoft.com/office/drawing/2014/main" xmlns="">
       <p:transition spd="slow" advClick="0" advTm="0">
         <p:fade/>
       </p:transition>
@@ -24983,7 +24993,7 @@
         <p14:flip dir="r"/>
       </p:transition>
     </mc:Choice>
-    <mc:Fallback xmlns="" xmlns:a16="http://schemas.microsoft.com/office/drawing/2014/main" xmlns:a14="http://schemas.microsoft.com/office/drawing/2010/main">
+    <mc:Fallback xmlns:a14="http://schemas.microsoft.com/office/drawing/2010/main" xmlns:a16="http://schemas.microsoft.com/office/drawing/2014/main" xmlns="">
       <p:transition spd="slow" advClick="0" advTm="0">
         <p:fade/>
       </p:transition>
@@ -25642,7 +25652,7 @@
         <p14:gallery dir="l"/>
       </p:transition>
     </mc:Choice>
-    <mc:Fallback xmlns="" xmlns:a16="http://schemas.microsoft.com/office/drawing/2014/main" xmlns:a14="http://schemas.microsoft.com/office/drawing/2010/main" xmlns:asvg="http://schemas.microsoft.com/office/drawing/2016/SVG/main">
+    <mc:Fallback xmlns:asvg="http://schemas.microsoft.com/office/drawing/2016/SVG/main" xmlns:a14="http://schemas.microsoft.com/office/drawing/2010/main" xmlns:a16="http://schemas.microsoft.com/office/drawing/2014/main" xmlns="">
       <p:transition spd="slow" advClick="0" advTm="0">
         <p:fade/>
       </p:transition>
@@ -26169,7 +26179,7 @@
         <p14:flip dir="r"/>
       </p:transition>
     </mc:Choice>
-    <mc:Fallback xmlns="" xmlns:a16="http://schemas.microsoft.com/office/drawing/2014/main" xmlns:a14="http://schemas.microsoft.com/office/drawing/2010/main">
+    <mc:Fallback xmlns:a14="http://schemas.microsoft.com/office/drawing/2010/main" xmlns:a16="http://schemas.microsoft.com/office/drawing/2014/main" xmlns="">
       <p:transition spd="slow" advClick="0" advTm="0">
         <p:fade/>
       </p:transition>
@@ -26740,7 +26750,7 @@
         <p14:gallery dir="l"/>
       </p:transition>
     </mc:Choice>
-    <mc:Fallback xmlns="" xmlns:a16="http://schemas.microsoft.com/office/drawing/2014/main" xmlns:a14="http://schemas.microsoft.com/office/drawing/2010/main" xmlns:asvg="http://schemas.microsoft.com/office/drawing/2016/SVG/main">
+    <mc:Fallback xmlns:asvg="http://schemas.microsoft.com/office/drawing/2016/SVG/main" xmlns:a14="http://schemas.microsoft.com/office/drawing/2010/main" xmlns:a16="http://schemas.microsoft.com/office/drawing/2014/main" xmlns="">
       <p:transition spd="slow" advClick="0" advTm="0">
         <p:fade/>
       </p:transition>
@@ -27390,7 +27400,7 @@
         <p14:gallery dir="l"/>
       </p:transition>
     </mc:Choice>
-    <mc:Fallback xmlns="" xmlns:a16="http://schemas.microsoft.com/office/drawing/2014/main" xmlns:a14="http://schemas.microsoft.com/office/drawing/2010/main" xmlns:asvg="http://schemas.microsoft.com/office/drawing/2016/SVG/main">
+    <mc:Fallback xmlns:asvg="http://schemas.microsoft.com/office/drawing/2016/SVG/main" xmlns:a14="http://schemas.microsoft.com/office/drawing/2010/main" xmlns:a16="http://schemas.microsoft.com/office/drawing/2014/main" xmlns="">
       <p:transition spd="slow" advClick="0" advTm="0">
         <p:fade/>
       </p:transition>
@@ -28114,7 +28124,7 @@
         <p14:gallery dir="l"/>
       </p:transition>
     </mc:Choice>
-    <mc:Fallback xmlns="" xmlns:a16="http://schemas.microsoft.com/office/drawing/2014/main" xmlns:a14="http://schemas.microsoft.com/office/drawing/2010/main" xmlns:asvg="http://schemas.microsoft.com/office/drawing/2016/SVG/main">
+    <mc:Fallback xmlns:asvg="http://schemas.microsoft.com/office/drawing/2016/SVG/main" xmlns:a14="http://schemas.microsoft.com/office/drawing/2010/main" xmlns:a16="http://schemas.microsoft.com/office/drawing/2014/main" xmlns="">
       <p:transition spd="slow" advClick="0" advTm="0">
         <p:fade/>
       </p:transition>
@@ -28838,7 +28848,7 @@
         <p14:gallery dir="l"/>
       </p:transition>
     </mc:Choice>
-    <mc:Fallback xmlns="" xmlns:a16="http://schemas.microsoft.com/office/drawing/2014/main" xmlns:a14="http://schemas.microsoft.com/office/drawing/2010/main" xmlns:asvg="http://schemas.microsoft.com/office/drawing/2016/SVG/main">
+    <mc:Fallback xmlns:asvg="http://schemas.microsoft.com/office/drawing/2016/SVG/main" xmlns:a14="http://schemas.microsoft.com/office/drawing/2010/main" xmlns:a16="http://schemas.microsoft.com/office/drawing/2014/main" xmlns="">
       <p:transition spd="slow" advClick="0" advTm="0">
         <p:fade/>
       </p:transition>
